--- a/static/Presentation1.pptx
+++ b/static/Presentation1.pptx
@@ -6,6 +6,8 @@
   </p:sldMasterIdLst>
   <p:sldIdLst>
     <p:sldId id="256" r:id="rId2"/>
+    <p:sldId id="257" r:id="rId3"/>
+    <p:sldId id="258" r:id="rId4"/>
   </p:sldIdLst>
   <p:sldSz cx="12192000" cy="6858000"/>
   <p:notesSz cx="6858000" cy="9144000"/>
@@ -104,6 +106,11 @@
       </a:defRPr>
     </a:lvl9pPr>
   </p:defaultTextStyle>
+  <p:extLst>
+    <p:ext uri="{EFAFB233-063F-42B5-8137-9DF3F51BA10A}">
+      <p15:sldGuideLst xmlns:p15="http://schemas.microsoft.com/office/powerpoint/2012/main"/>
+    </p:ext>
+  </p:extLst>
 </p:presentation>
 </file>
 
@@ -254,7 +261,7 @@
           <a:p>
             <a:fld id="{7E625665-A3D7-47ED-8FED-F640AEB65C81}" type="datetimeFigureOut">
               <a:rPr lang="en-US" smtClean="0"/>
-              <a:t>3/24/2023</a:t>
+              <a:t>9/29/2023</a:t>
             </a:fld>
             <a:endParaRPr lang="en-US"/>
           </a:p>
@@ -452,7 +459,7 @@
           <a:p>
             <a:fld id="{7E625665-A3D7-47ED-8FED-F640AEB65C81}" type="datetimeFigureOut">
               <a:rPr lang="en-US" smtClean="0"/>
-              <a:t>3/24/2023</a:t>
+              <a:t>9/29/2023</a:t>
             </a:fld>
             <a:endParaRPr lang="en-US"/>
           </a:p>
@@ -660,7 +667,7 @@
           <a:p>
             <a:fld id="{7E625665-A3D7-47ED-8FED-F640AEB65C81}" type="datetimeFigureOut">
               <a:rPr lang="en-US" smtClean="0"/>
-              <a:t>3/24/2023</a:t>
+              <a:t>9/29/2023</a:t>
             </a:fld>
             <a:endParaRPr lang="en-US"/>
           </a:p>
@@ -858,7 +865,7 @@
           <a:p>
             <a:fld id="{7E625665-A3D7-47ED-8FED-F640AEB65C81}" type="datetimeFigureOut">
               <a:rPr lang="en-US" smtClean="0"/>
-              <a:t>3/24/2023</a:t>
+              <a:t>9/29/2023</a:t>
             </a:fld>
             <a:endParaRPr lang="en-US"/>
           </a:p>
@@ -1133,7 +1140,7 @@
           <a:p>
             <a:fld id="{7E625665-A3D7-47ED-8FED-F640AEB65C81}" type="datetimeFigureOut">
               <a:rPr lang="en-US" smtClean="0"/>
-              <a:t>3/24/2023</a:t>
+              <a:t>9/29/2023</a:t>
             </a:fld>
             <a:endParaRPr lang="en-US"/>
           </a:p>
@@ -1398,7 +1405,7 @@
           <a:p>
             <a:fld id="{7E625665-A3D7-47ED-8FED-F640AEB65C81}" type="datetimeFigureOut">
               <a:rPr lang="en-US" smtClean="0"/>
-              <a:t>3/24/2023</a:t>
+              <a:t>9/29/2023</a:t>
             </a:fld>
             <a:endParaRPr lang="en-US"/>
           </a:p>
@@ -1810,7 +1817,7 @@
           <a:p>
             <a:fld id="{7E625665-A3D7-47ED-8FED-F640AEB65C81}" type="datetimeFigureOut">
               <a:rPr lang="en-US" smtClean="0"/>
-              <a:t>3/24/2023</a:t>
+              <a:t>9/29/2023</a:t>
             </a:fld>
             <a:endParaRPr lang="en-US"/>
           </a:p>
@@ -1951,7 +1958,7 @@
           <a:p>
             <a:fld id="{7E625665-A3D7-47ED-8FED-F640AEB65C81}" type="datetimeFigureOut">
               <a:rPr lang="en-US" smtClean="0"/>
-              <a:t>3/24/2023</a:t>
+              <a:t>9/29/2023</a:t>
             </a:fld>
             <a:endParaRPr lang="en-US"/>
           </a:p>
@@ -2064,7 +2071,7 @@
           <a:p>
             <a:fld id="{7E625665-A3D7-47ED-8FED-F640AEB65C81}" type="datetimeFigureOut">
               <a:rPr lang="en-US" smtClean="0"/>
-              <a:t>3/24/2023</a:t>
+              <a:t>9/29/2023</a:t>
             </a:fld>
             <a:endParaRPr lang="en-US"/>
           </a:p>
@@ -2375,7 +2382,7 @@
           <a:p>
             <a:fld id="{7E625665-A3D7-47ED-8FED-F640AEB65C81}" type="datetimeFigureOut">
               <a:rPr lang="en-US" smtClean="0"/>
-              <a:t>3/24/2023</a:t>
+              <a:t>9/29/2023</a:t>
             </a:fld>
             <a:endParaRPr lang="en-US"/>
           </a:p>
@@ -2663,7 +2670,7 @@
           <a:p>
             <a:fld id="{7E625665-A3D7-47ED-8FED-F640AEB65C81}" type="datetimeFigureOut">
               <a:rPr lang="en-US" smtClean="0"/>
-              <a:t>3/24/2023</a:t>
+              <a:t>9/29/2023</a:t>
             </a:fld>
             <a:endParaRPr lang="en-US"/>
           </a:p>
@@ -2904,7 +2911,7 @@
           <a:p>
             <a:fld id="{7E625665-A3D7-47ED-8FED-F640AEB65C81}" type="datetimeFigureOut">
               <a:rPr lang="en-US" smtClean="0"/>
-              <a:t>3/24/2023</a:t>
+              <a:t>9/29/2023</a:t>
             </a:fld>
             <a:endParaRPr lang="en-US"/>
           </a:p>
@@ -3506,6 +3513,235 @@
 </p:sld>
 </file>
 
+<file path=ppt/slides/slide2.xml><?xml version="1.0" encoding="utf-8"?>
+<p:sld xmlns:a="http://schemas.openxmlformats.org/drawingml/2006/main" xmlns:r="http://schemas.openxmlformats.org/officeDocument/2006/relationships" xmlns:p="http://schemas.openxmlformats.org/presentationml/2006/main">
+  <p:cSld>
+    <p:spTree>
+      <p:nvGrpSpPr>
+        <p:cNvPr id="1" name=""/>
+        <p:cNvGrpSpPr/>
+        <p:nvPr/>
+      </p:nvGrpSpPr>
+      <p:grpSpPr>
+        <a:xfrm>
+          <a:off x="0" y="0"/>
+          <a:ext cx="0" cy="0"/>
+          <a:chOff x="0" y="0"/>
+          <a:chExt cx="0" cy="0"/>
+        </a:xfrm>
+      </p:grpSpPr>
+      <p:grpSp>
+        <p:nvGrpSpPr>
+          <p:cNvPr id="4" name="Group 3">
+            <a:extLst>
+              <a:ext uri="{FF2B5EF4-FFF2-40B4-BE49-F238E27FC236}">
+                <a16:creationId xmlns:a16="http://schemas.microsoft.com/office/drawing/2014/main" id="{12D9CBD9-7C39-9701-329B-EB3D59C531D3}"/>
+              </a:ext>
+            </a:extLst>
+          </p:cNvPr>
+          <p:cNvGrpSpPr/>
+          <p:nvPr/>
+        </p:nvGrpSpPr>
+        <p:grpSpPr>
+          <a:xfrm>
+            <a:off x="982493" y="1060315"/>
+            <a:ext cx="5359941" cy="5291847"/>
+            <a:chOff x="982493" y="1060315"/>
+            <a:chExt cx="5359941" cy="5291847"/>
+          </a:xfrm>
+        </p:grpSpPr>
+        <p:pic>
+          <p:nvPicPr>
+            <p:cNvPr id="3" name="Picture 2">
+              <a:extLst>
+                <a:ext uri="{FF2B5EF4-FFF2-40B4-BE49-F238E27FC236}">
+                  <a16:creationId xmlns:a16="http://schemas.microsoft.com/office/drawing/2014/main" id="{3548E39E-6F34-7D0D-F48C-AEB386183654}"/>
+                </a:ext>
+              </a:extLst>
+            </p:cNvPr>
+            <p:cNvPicPr>
+              <a:picLocks noChangeAspect="1"/>
+            </p:cNvPicPr>
+            <p:nvPr/>
+          </p:nvPicPr>
+          <p:blipFill rotWithShape="1">
+            <a:blip r:embed="rId2"/>
+            <a:srcRect l="7974" r="6805"/>
+            <a:stretch/>
+          </p:blipFill>
+          <p:spPr>
+            <a:xfrm>
+              <a:off x="982493" y="1060315"/>
+              <a:ext cx="5359941" cy="5291847"/>
+            </a:xfrm>
+            <a:prstGeom prst="rect">
+              <a:avLst/>
+            </a:prstGeom>
+          </p:spPr>
+        </p:pic>
+        <p:sp>
+          <p:nvSpPr>
+            <p:cNvPr id="6" name="TextBox 5">
+              <a:extLst>
+                <a:ext uri="{FF2B5EF4-FFF2-40B4-BE49-F238E27FC236}">
+                  <a16:creationId xmlns:a16="http://schemas.microsoft.com/office/drawing/2014/main" id="{E1B8899C-4762-51E8-278B-BBF35F58326C}"/>
+                </a:ext>
+              </a:extLst>
+            </p:cNvPr>
+            <p:cNvSpPr txBox="1"/>
+            <p:nvPr/>
+          </p:nvSpPr>
+          <p:spPr>
+            <a:xfrm>
+              <a:off x="992221" y="1084874"/>
+              <a:ext cx="5350213" cy="646331"/>
+            </a:xfrm>
+            <a:prstGeom prst="rect">
+              <a:avLst/>
+            </a:prstGeom>
+            <a:solidFill>
+              <a:schemeClr val="tx1">
+                <a:lumMod val="75000"/>
+                <a:lumOff val="25000"/>
+              </a:schemeClr>
+            </a:solidFill>
+          </p:spPr>
+          <p:txBody>
+            <a:bodyPr wrap="square" rtlCol="0">
+              <a:spAutoFit/>
+            </a:bodyPr>
+            <a:lstStyle/>
+            <a:p>
+              <a:pPr algn="ctr"/>
+              <a:r>
+                <a:rPr lang="en-US" sz="3600" dirty="0">
+                  <a:solidFill>
+                    <a:schemeClr val="bg1"/>
+                  </a:solidFill>
+                  <a:latin typeface="Calibri" panose="020F0502020204030204" pitchFamily="34" charset="0"/>
+                  <a:ea typeface="Calibri" panose="020F0502020204030204" pitchFamily="34" charset="0"/>
+                  <a:cs typeface="Calibri" panose="020F0502020204030204" pitchFamily="34" charset="0"/>
+                </a:rPr>
+                <a:t>Spherical Aberration Plot</a:t>
+              </a:r>
+            </a:p>
+          </p:txBody>
+        </p:sp>
+      </p:grpSp>
+      <p:pic>
+        <p:nvPicPr>
+          <p:cNvPr id="9" name="Picture 8" descr="A diagram of a rainbow colored cone&#10;&#10;Description automatically generated">
+            <a:extLst>
+              <a:ext uri="{FF2B5EF4-FFF2-40B4-BE49-F238E27FC236}">
+                <a16:creationId xmlns:a16="http://schemas.microsoft.com/office/drawing/2014/main" id="{93945972-FF13-8A94-1C05-48EE4744B853}"/>
+              </a:ext>
+            </a:extLst>
+          </p:cNvPr>
+          <p:cNvPicPr>
+            <a:picLocks noChangeAspect="1"/>
+          </p:cNvPicPr>
+          <p:nvPr/>
+        </p:nvPicPr>
+        <p:blipFill>
+          <a:blip r:embed="rId3">
+            <a:extLst>
+              <a:ext uri="{28A0092B-C50C-407E-A947-70E740481C1C}">
+                <a14:useLocalDpi xmlns:a14="http://schemas.microsoft.com/office/drawing/2010/main" val="0"/>
+              </a:ext>
+            </a:extLst>
+          </a:blip>
+          <a:stretch>
+            <a:fillRect/>
+          </a:stretch>
+        </p:blipFill>
+        <p:spPr>
+          <a:xfrm>
+            <a:off x="7169078" y="734350"/>
+            <a:ext cx="6165765" cy="5684707"/>
+          </a:xfrm>
+          <a:prstGeom prst="rect">
+            <a:avLst/>
+          </a:prstGeom>
+        </p:spPr>
+      </p:pic>
+    </p:spTree>
+    <p:extLst>
+      <p:ext uri="{BB962C8B-B14F-4D97-AF65-F5344CB8AC3E}">
+        <p14:creationId xmlns:p14="http://schemas.microsoft.com/office/powerpoint/2010/main" val="2253261414"/>
+      </p:ext>
+    </p:extLst>
+  </p:cSld>
+  <p:clrMapOvr>
+    <a:masterClrMapping/>
+  </p:clrMapOvr>
+</p:sld>
+</file>
+
+<file path=ppt/slides/slide3.xml><?xml version="1.0" encoding="utf-8"?>
+<p:sld xmlns:a="http://schemas.openxmlformats.org/drawingml/2006/main" xmlns:r="http://schemas.openxmlformats.org/officeDocument/2006/relationships" xmlns:p="http://schemas.openxmlformats.org/presentationml/2006/main">
+  <p:cSld>
+    <p:spTree>
+      <p:nvGrpSpPr>
+        <p:cNvPr id="1" name=""/>
+        <p:cNvGrpSpPr/>
+        <p:nvPr/>
+      </p:nvGrpSpPr>
+      <p:grpSpPr>
+        <a:xfrm>
+          <a:off x="0" y="0"/>
+          <a:ext cx="0" cy="0"/>
+          <a:chOff x="0" y="0"/>
+          <a:chExt cx="0" cy="0"/>
+        </a:xfrm>
+      </p:grpSpPr>
+      <p:pic>
+        <p:nvPicPr>
+          <p:cNvPr id="7" name="Picture 6" descr="A diagram of a graphing function&#10;&#10;Description automatically generated">
+            <a:extLst>
+              <a:ext uri="{FF2B5EF4-FFF2-40B4-BE49-F238E27FC236}">
+                <a16:creationId xmlns:a16="http://schemas.microsoft.com/office/drawing/2014/main" id="{35EA842F-6309-9CAA-1933-9BF2959428AA}"/>
+              </a:ext>
+            </a:extLst>
+          </p:cNvPr>
+          <p:cNvPicPr>
+            <a:picLocks noChangeAspect="1"/>
+          </p:cNvPicPr>
+          <p:nvPr/>
+        </p:nvPicPr>
+        <p:blipFill rotWithShape="1">
+          <a:blip r:embed="rId2">
+            <a:extLst>
+              <a:ext uri="{28A0092B-C50C-407E-A947-70E740481C1C}">
+                <a14:useLocalDpi xmlns:a14="http://schemas.microsoft.com/office/drawing/2010/main" val="0"/>
+              </a:ext>
+            </a:extLst>
+          </a:blip>
+          <a:srcRect b="1253"/>
+          <a:stretch/>
+        </p:blipFill>
+        <p:spPr>
+          <a:xfrm rot="10800000">
+            <a:off x="3653442" y="1155700"/>
+            <a:ext cx="4885113" cy="4605020"/>
+          </a:xfrm>
+          <a:prstGeom prst="rect">
+            <a:avLst/>
+          </a:prstGeom>
+        </p:spPr>
+      </p:pic>
+    </p:spTree>
+    <p:extLst>
+      <p:ext uri="{BB962C8B-B14F-4D97-AF65-F5344CB8AC3E}">
+        <p14:creationId xmlns:p14="http://schemas.microsoft.com/office/powerpoint/2010/main" val="833618942"/>
+      </p:ext>
+    </p:extLst>
+  </p:cSld>
+  <p:clrMapOvr>
+    <a:masterClrMapping/>
+  </p:clrMapOvr>
+</p:sld>
+</file>
+
 <file path=ppt/theme/theme1.xml><?xml version="1.0" encoding="utf-8"?>
 <a:theme xmlns:a="http://schemas.openxmlformats.org/drawingml/2006/main" name="Office Theme">
   <a:themeElements>
